--- a/脑图/素材/演示文稿2.pptx
+++ b/脑图/素材/演示文稿2.pptx
@@ -6,6 +6,7 @@
   </p:sldMasterIdLst>
   <p:sldIdLst>
     <p:sldId id="257" r:id="rId2"/>
+    <p:sldId id="258" r:id="rId3"/>
   </p:sldIdLst>
   <p:sldSz cx="12192000" cy="6858000"/>
   <p:notesSz cx="6858000" cy="9144000"/>
@@ -3974,6 +3975,435 @@
 </p:sld>
 </file>
 
+<file path=ppt/slides/slide2.xml><?xml version="1.0" encoding="utf-8"?>
+<p:sld xmlns:a="http://schemas.openxmlformats.org/drawingml/2006/main" xmlns:r="http://schemas.openxmlformats.org/officeDocument/2006/relationships" xmlns:p="http://schemas.openxmlformats.org/presentationml/2006/main">
+  <p:cSld>
+    <p:spTree>
+      <p:nvGrpSpPr>
+        <p:cNvPr id="1" name=""/>
+        <p:cNvGrpSpPr/>
+        <p:nvPr/>
+      </p:nvGrpSpPr>
+      <p:grpSpPr>
+        <a:xfrm>
+          <a:off x="0" y="0"/>
+          <a:ext cx="0" cy="0"/>
+          <a:chOff x="0" y="0"/>
+          <a:chExt cx="0" cy="0"/>
+        </a:xfrm>
+      </p:grpSpPr>
+      <p:sp>
+        <p:nvSpPr>
+          <p:cNvPr id="4" name="矩形 3">
+            <a:extLst>
+              <a:ext uri="{FF2B5EF4-FFF2-40B4-BE49-F238E27FC236}">
+                <a16:creationId xmlns:a16="http://schemas.microsoft.com/office/drawing/2014/main" id="{9486C0C3-4C02-B74F-A862-9D633019AB0A}"/>
+              </a:ext>
+            </a:extLst>
+          </p:cNvPr>
+          <p:cNvSpPr/>
+          <p:nvPr/>
+        </p:nvSpPr>
+        <p:spPr>
+          <a:xfrm>
+            <a:off x="8089560" y="2056415"/>
+            <a:ext cx="1729946" cy="2515578"/>
+          </a:xfrm>
+          <a:prstGeom prst="rect">
+            <a:avLst/>
+          </a:prstGeom>
+          <a:ln>
+            <a:noFill/>
+          </a:ln>
+        </p:spPr>
+        <p:style>
+          <a:lnRef idx="2">
+            <a:schemeClr val="accent1">
+              <a:shade val="50000"/>
+            </a:schemeClr>
+          </a:lnRef>
+          <a:fillRef idx="1">
+            <a:schemeClr val="accent1"/>
+          </a:fillRef>
+          <a:effectRef idx="0">
+            <a:schemeClr val="accent1"/>
+          </a:effectRef>
+          <a:fontRef idx="minor">
+            <a:schemeClr val="lt1"/>
+          </a:fontRef>
+        </p:style>
+        <p:txBody>
+          <a:bodyPr rtlCol="0" anchor="ctr"/>
+          <a:lstStyle/>
+          <a:p>
+            <a:pPr algn="ctr"/>
+            <a:endParaRPr kumimoji="1" lang="zh-CN" altLang="en-US"/>
+          </a:p>
+        </p:txBody>
+      </p:sp>
+      <p:sp>
+        <p:nvSpPr>
+          <p:cNvPr id="5" name="矩形 4">
+            <a:extLst>
+              <a:ext uri="{FF2B5EF4-FFF2-40B4-BE49-F238E27FC236}">
+                <a16:creationId xmlns:a16="http://schemas.microsoft.com/office/drawing/2014/main" id="{21F0A561-B489-FB45-95F1-ACFF7B65FAB0}"/>
+              </a:ext>
+            </a:extLst>
+          </p:cNvPr>
+          <p:cNvSpPr/>
+          <p:nvPr/>
+        </p:nvSpPr>
+        <p:spPr>
+          <a:xfrm>
+            <a:off x="2372496" y="2056415"/>
+            <a:ext cx="1729946" cy="2515585"/>
+          </a:xfrm>
+          <a:prstGeom prst="rect">
+            <a:avLst/>
+          </a:prstGeom>
+          <a:ln>
+            <a:noFill/>
+          </a:ln>
+        </p:spPr>
+        <p:style>
+          <a:lnRef idx="2">
+            <a:schemeClr val="accent1">
+              <a:shade val="50000"/>
+            </a:schemeClr>
+          </a:lnRef>
+          <a:fillRef idx="1">
+            <a:schemeClr val="accent1"/>
+          </a:fillRef>
+          <a:effectRef idx="0">
+            <a:schemeClr val="accent1"/>
+          </a:effectRef>
+          <a:fontRef idx="minor">
+            <a:schemeClr val="lt1"/>
+          </a:fontRef>
+        </p:style>
+        <p:txBody>
+          <a:bodyPr rtlCol="0" anchor="ctr"/>
+          <a:lstStyle/>
+          <a:p>
+            <a:pPr algn="ctr"/>
+            <a:endParaRPr kumimoji="1" lang="zh-CN" altLang="en-US"/>
+          </a:p>
+        </p:txBody>
+      </p:sp>
+      <p:sp>
+        <p:nvSpPr>
+          <p:cNvPr id="6" name="文本框 5">
+            <a:extLst>
+              <a:ext uri="{FF2B5EF4-FFF2-40B4-BE49-F238E27FC236}">
+                <a16:creationId xmlns:a16="http://schemas.microsoft.com/office/drawing/2014/main" id="{6B2A88D0-7B59-B045-A329-8C1A98ABB2E9}"/>
+              </a:ext>
+            </a:extLst>
+          </p:cNvPr>
+          <p:cNvSpPr txBox="1"/>
+          <p:nvPr/>
+        </p:nvSpPr>
+        <p:spPr>
+          <a:xfrm>
+            <a:off x="2888655" y="3114149"/>
+            <a:ext cx="697627" cy="400110"/>
+          </a:xfrm>
+          <a:prstGeom prst="rect">
+            <a:avLst/>
+          </a:prstGeom>
+          <a:noFill/>
+        </p:spPr>
+        <p:txBody>
+          <a:bodyPr wrap="none" rtlCol="0">
+            <a:spAutoFit/>
+          </a:bodyPr>
+          <a:lstStyle/>
+          <a:p>
+            <a:r>
+              <a:rPr kumimoji="1" lang="zh-CN" altLang="en-US" sz="2000" b="1" dirty="0">
+                <a:solidFill>
+                  <a:schemeClr val="bg2"/>
+                </a:solidFill>
+              </a:rPr>
+              <a:t>内存</a:t>
+            </a:r>
+          </a:p>
+        </p:txBody>
+      </p:sp>
+      <p:sp>
+        <p:nvSpPr>
+          <p:cNvPr id="7" name="文本框 6">
+            <a:extLst>
+              <a:ext uri="{FF2B5EF4-FFF2-40B4-BE49-F238E27FC236}">
+                <a16:creationId xmlns:a16="http://schemas.microsoft.com/office/drawing/2014/main" id="{98F57252-3927-6B41-BFC6-7006C972A340}"/>
+              </a:ext>
+            </a:extLst>
+          </p:cNvPr>
+          <p:cNvSpPr txBox="1"/>
+          <p:nvPr/>
+        </p:nvSpPr>
+        <p:spPr>
+          <a:xfrm>
+            <a:off x="8605718" y="3102039"/>
+            <a:ext cx="697627" cy="400110"/>
+          </a:xfrm>
+          <a:prstGeom prst="rect">
+            <a:avLst/>
+          </a:prstGeom>
+          <a:noFill/>
+        </p:spPr>
+        <p:txBody>
+          <a:bodyPr wrap="none" rtlCol="0">
+            <a:spAutoFit/>
+          </a:bodyPr>
+          <a:lstStyle/>
+          <a:p>
+            <a:r>
+              <a:rPr kumimoji="1" lang="zh-CN" altLang="en-US" sz="2000" b="1" dirty="0">
+                <a:solidFill>
+                  <a:schemeClr val="bg2"/>
+                </a:solidFill>
+              </a:rPr>
+              <a:t>硬盘</a:t>
+            </a:r>
+          </a:p>
+        </p:txBody>
+      </p:sp>
+      <p:cxnSp>
+        <p:nvCxnSpPr>
+          <p:cNvPr id="12" name="直线箭头连接符 11">
+            <a:extLst>
+              <a:ext uri="{FF2B5EF4-FFF2-40B4-BE49-F238E27FC236}">
+                <a16:creationId xmlns:a16="http://schemas.microsoft.com/office/drawing/2014/main" id="{D281B66F-CCC2-5544-B58A-85CA614B90F7}"/>
+              </a:ext>
+            </a:extLst>
+          </p:cNvPr>
+          <p:cNvCxnSpPr/>
+          <p:nvPr/>
+        </p:nvCxnSpPr>
+        <p:spPr>
+          <a:xfrm>
+            <a:off x="4102442" y="2525287"/>
+            <a:ext cx="3987118" cy="0"/>
+          </a:xfrm>
+          <a:prstGeom prst="straightConnector1">
+            <a:avLst/>
+          </a:prstGeom>
+          <a:ln w="69850">
+            <a:solidFill>
+              <a:schemeClr val="accent3"/>
+            </a:solidFill>
+            <a:tailEnd type="triangle"/>
+          </a:ln>
+        </p:spPr>
+        <p:style>
+          <a:lnRef idx="3">
+            <a:schemeClr val="accent5"/>
+          </a:lnRef>
+          <a:fillRef idx="0">
+            <a:schemeClr val="accent5"/>
+          </a:fillRef>
+          <a:effectRef idx="2">
+            <a:schemeClr val="accent5"/>
+          </a:effectRef>
+          <a:fontRef idx="minor">
+            <a:schemeClr val="tx1"/>
+          </a:fontRef>
+        </p:style>
+      </p:cxnSp>
+      <p:sp>
+        <p:nvSpPr>
+          <p:cNvPr id="13" name="文本框 12">
+            <a:extLst>
+              <a:ext uri="{FF2B5EF4-FFF2-40B4-BE49-F238E27FC236}">
+                <a16:creationId xmlns:a16="http://schemas.microsoft.com/office/drawing/2014/main" id="{FCFAD708-8E0A-A242-B841-5D411DCFA47E}"/>
+              </a:ext>
+            </a:extLst>
+          </p:cNvPr>
+          <p:cNvSpPr txBox="1"/>
+          <p:nvPr/>
+        </p:nvSpPr>
+        <p:spPr>
+          <a:xfrm>
+            <a:off x="4677983" y="2056415"/>
+            <a:ext cx="2836033" cy="369332"/>
+          </a:xfrm>
+          <a:prstGeom prst="rect">
+            <a:avLst/>
+          </a:prstGeom>
+          <a:noFill/>
+        </p:spPr>
+        <p:txBody>
+          <a:bodyPr wrap="none" rtlCol="0">
+            <a:spAutoFit/>
+          </a:bodyPr>
+          <a:lstStyle/>
+          <a:p>
+            <a:r>
+              <a:rPr kumimoji="1" lang="en-US" altLang="zh-CN" dirty="0" err="1"/>
+              <a:t>json.dump</a:t>
+            </a:r>
+            <a:r>
+              <a:rPr kumimoji="1" lang="en-US" altLang="zh-CN" dirty="0"/>
+              <a:t>(</a:t>
+            </a:r>
+            <a:r>
+              <a:rPr kumimoji="1" lang="en-US" altLang="zh-CN" dirty="0" err="1"/>
+              <a:t>python_dict</a:t>
+            </a:r>
+            <a:r>
+              <a:rPr kumimoji="1" lang="en-US" altLang="zh-CN" dirty="0"/>
+              <a:t>, </a:t>
+            </a:r>
+            <a:r>
+              <a:rPr kumimoji="1" lang="en-US" altLang="zh-CN" dirty="0" err="1"/>
+              <a:t>fp</a:t>
+            </a:r>
+            <a:r>
+              <a:rPr kumimoji="1" lang="en-US" altLang="zh-CN" dirty="0"/>
+              <a:t>)</a:t>
+            </a:r>
+            <a:endParaRPr kumimoji="1" lang="zh-CN" altLang="en-US" dirty="0"/>
+          </a:p>
+        </p:txBody>
+      </p:sp>
+      <p:sp>
+        <p:nvSpPr>
+          <p:cNvPr id="15" name="文本框 14">
+            <a:extLst>
+              <a:ext uri="{FF2B5EF4-FFF2-40B4-BE49-F238E27FC236}">
+                <a16:creationId xmlns:a16="http://schemas.microsoft.com/office/drawing/2014/main" id="{E8A354C8-AA7B-DD47-86D9-296303250EFB}"/>
+              </a:ext>
+            </a:extLst>
+          </p:cNvPr>
+          <p:cNvSpPr txBox="1"/>
+          <p:nvPr/>
+        </p:nvSpPr>
+        <p:spPr>
+          <a:xfrm>
+            <a:off x="624115" y="522515"/>
+            <a:ext cx="1980029" cy="523220"/>
+          </a:xfrm>
+          <a:prstGeom prst="rect">
+            <a:avLst/>
+          </a:prstGeom>
+          <a:noFill/>
+        </p:spPr>
+        <p:txBody>
+          <a:bodyPr wrap="none" rtlCol="0">
+            <a:spAutoFit/>
+          </a:bodyPr>
+          <a:lstStyle/>
+          <a:p>
+            <a:r>
+              <a:rPr kumimoji="1" lang="zh-CN" altLang="en-US" sz="2800" b="1" dirty="0"/>
+              <a:t>文件流操作</a:t>
+            </a:r>
+          </a:p>
+        </p:txBody>
+      </p:sp>
+      <p:cxnSp>
+        <p:nvCxnSpPr>
+          <p:cNvPr id="17" name="直线箭头连接符 16">
+            <a:extLst>
+              <a:ext uri="{FF2B5EF4-FFF2-40B4-BE49-F238E27FC236}">
+                <a16:creationId xmlns:a16="http://schemas.microsoft.com/office/drawing/2014/main" id="{7BEBB1E2-2686-0B45-825C-477E8E6E6545}"/>
+              </a:ext>
+            </a:extLst>
+          </p:cNvPr>
+          <p:cNvCxnSpPr/>
+          <p:nvPr/>
+        </p:nvCxnSpPr>
+        <p:spPr>
+          <a:xfrm flipH="1">
+            <a:off x="4102442" y="4107543"/>
+            <a:ext cx="3987118" cy="0"/>
+          </a:xfrm>
+          <a:prstGeom prst="straightConnector1">
+            <a:avLst/>
+          </a:prstGeom>
+          <a:ln w="69850">
+            <a:solidFill>
+              <a:schemeClr val="accent3"/>
+            </a:solidFill>
+            <a:tailEnd type="triangle"/>
+          </a:ln>
+        </p:spPr>
+        <p:style>
+          <a:lnRef idx="3">
+            <a:schemeClr val="accent5"/>
+          </a:lnRef>
+          <a:fillRef idx="0">
+            <a:schemeClr val="accent5"/>
+          </a:fillRef>
+          <a:effectRef idx="2">
+            <a:schemeClr val="accent5"/>
+          </a:effectRef>
+          <a:fontRef idx="minor">
+            <a:schemeClr val="tx1"/>
+          </a:fontRef>
+        </p:style>
+      </p:cxnSp>
+      <p:sp>
+        <p:nvSpPr>
+          <p:cNvPr id="18" name="文本框 17">
+            <a:extLst>
+              <a:ext uri="{FF2B5EF4-FFF2-40B4-BE49-F238E27FC236}">
+                <a16:creationId xmlns:a16="http://schemas.microsoft.com/office/drawing/2014/main" id="{7AEA8B0C-0D87-A24F-98C9-44DAEB17CD3C}"/>
+              </a:ext>
+            </a:extLst>
+          </p:cNvPr>
+          <p:cNvSpPr txBox="1"/>
+          <p:nvPr/>
+        </p:nvSpPr>
+        <p:spPr>
+          <a:xfrm>
+            <a:off x="5391321" y="3638670"/>
+            <a:ext cx="1409360" cy="369332"/>
+          </a:xfrm>
+          <a:prstGeom prst="rect">
+            <a:avLst/>
+          </a:prstGeom>
+          <a:noFill/>
+        </p:spPr>
+        <p:txBody>
+          <a:bodyPr wrap="none" rtlCol="0">
+            <a:spAutoFit/>
+          </a:bodyPr>
+          <a:lstStyle/>
+          <a:p>
+            <a:r>
+              <a:rPr kumimoji="1" lang="en-US" altLang="zh-CN" dirty="0" err="1"/>
+              <a:t>json.load</a:t>
+            </a:r>
+            <a:r>
+              <a:rPr kumimoji="1" lang="en-US" altLang="zh-CN" dirty="0"/>
+              <a:t>(</a:t>
+            </a:r>
+            <a:r>
+              <a:rPr kumimoji="1" lang="en-US" altLang="zh-CN" dirty="0" err="1"/>
+              <a:t>fp</a:t>
+            </a:r>
+            <a:r>
+              <a:rPr kumimoji="1" lang="en-US" altLang="zh-CN" dirty="0"/>
+              <a:t>)</a:t>
+            </a:r>
+            <a:endParaRPr kumimoji="1" lang="zh-CN" altLang="en-US" dirty="0"/>
+          </a:p>
+        </p:txBody>
+      </p:sp>
+    </p:spTree>
+    <p:extLst>
+      <p:ext uri="{BB962C8B-B14F-4D97-AF65-F5344CB8AC3E}">
+        <p14:creationId xmlns:p14="http://schemas.microsoft.com/office/powerpoint/2010/main" val="1366484979"/>
+      </p:ext>
+    </p:extLst>
+  </p:cSld>
+  <p:clrMapOvr>
+    <a:masterClrMapping/>
+  </p:clrMapOvr>
+</p:sld>
+</file>
+
 <file path=ppt/theme/theme1.xml><?xml version="1.0" encoding="utf-8"?>
 <a:theme xmlns:a="http://schemas.openxmlformats.org/drawingml/2006/main" name="Office 主题​​">
   <a:themeElements>
